--- a/Show & Tell/PPT SP10_GGE302.pptx
+++ b/Show & Tell/PPT SP10_GGE302.pptx
@@ -21,7 +21,7 @@
     <p:sldId id="604" r:id="rId9"/>
   </p:sldIdLst>
   <p:sldSz cx="9144000" cy="5143500" type="screen16x9"/>
-  <p:notesSz cx="9144000" cy="6858000"/>
+  <p:notesSz cx="6858000" cy="9144000"/>
   <p:defaultTextStyle>
     <a:defPPr>
       <a:defRPr lang="en-IN"/>
@@ -250,8 +250,8 @@
         </p:nvSpPr>
         <p:spPr>
           <a:xfrm>
-            <a:off x="0" y="0"/>
-            <a:ext cx="3962400" cy="344091"/>
+            <a:off x="0" y="1"/>
+            <a:ext cx="2971800" cy="458788"/>
           </a:xfrm>
           <a:prstGeom prst="rect">
             <a:avLst/>
@@ -281,8 +281,8 @@
         </p:nvSpPr>
         <p:spPr>
           <a:xfrm>
-            <a:off x="5179484" y="0"/>
-            <a:ext cx="3962400" cy="344091"/>
+            <a:off x="3884613" y="1"/>
+            <a:ext cx="2971800" cy="458788"/>
           </a:xfrm>
           <a:prstGeom prst="rect">
             <a:avLst/>
@@ -298,7 +298,7 @@
           <a:p>
             <a:fld id="{696C064A-D61B-4B21-B757-51A9B82445B8}" type="datetimeFigureOut">
               <a:rPr lang="en-US" smtClean="0"/>
-              <a:t>10/31/2022</a:t>
+              <a:t>11/1/2022</a:t>
             </a:fld>
             <a:endParaRPr lang="en-US"/>
           </a:p>
@@ -316,8 +316,8 @@
         </p:nvSpPr>
         <p:spPr>
           <a:xfrm>
-            <a:off x="0" y="6513910"/>
-            <a:ext cx="3962400" cy="344090"/>
+            <a:off x="0" y="8685213"/>
+            <a:ext cx="2971800" cy="458787"/>
           </a:xfrm>
           <a:prstGeom prst="rect">
             <a:avLst/>
@@ -347,8 +347,8 @@
         </p:nvSpPr>
         <p:spPr>
           <a:xfrm>
-            <a:off x="5179484" y="6513910"/>
-            <a:ext cx="3962400" cy="344090"/>
+            <a:off x="3884613" y="8685213"/>
+            <a:ext cx="2971800" cy="458787"/>
           </a:xfrm>
           <a:prstGeom prst="rect">
             <a:avLst/>
@@ -415,8 +415,8 @@
         </p:nvSpPr>
         <p:spPr>
           <a:xfrm>
-            <a:off x="0" y="0"/>
-            <a:ext cx="3962400" cy="344091"/>
+            <a:off x="0" y="1"/>
+            <a:ext cx="2971800" cy="458788"/>
           </a:xfrm>
           <a:prstGeom prst="rect">
             <a:avLst/>
@@ -446,8 +446,8 @@
         </p:nvSpPr>
         <p:spPr>
           <a:xfrm>
-            <a:off x="5179484" y="0"/>
-            <a:ext cx="3962400" cy="344091"/>
+            <a:off x="3884613" y="1"/>
+            <a:ext cx="2971800" cy="458788"/>
           </a:xfrm>
           <a:prstGeom prst="rect">
             <a:avLst/>
@@ -463,7 +463,7 @@
           <a:p>
             <a:fld id="{3EFD42F7-718C-4B98-AAEC-167E6DDD60A7}" type="datetimeFigureOut">
               <a:rPr lang="en-US" smtClean="0"/>
-              <a:t>10/31/2022</a:t>
+              <a:t>11/1/2022</a:t>
             </a:fld>
             <a:endParaRPr lang="en-US"/>
           </a:p>
@@ -481,8 +481,8 @@
         </p:nvSpPr>
         <p:spPr>
           <a:xfrm>
-            <a:off x="2514600" y="857250"/>
-            <a:ext cx="4114800" cy="2314575"/>
+            <a:off x="685800" y="1143000"/>
+            <a:ext cx="5486400" cy="3086100"/>
           </a:xfrm>
           <a:prstGeom prst="rect">
             <a:avLst/>
@@ -514,8 +514,8 @@
         </p:nvSpPr>
         <p:spPr>
           <a:xfrm>
-            <a:off x="914400" y="3300412"/>
-            <a:ext cx="7315200" cy="2700338"/>
+            <a:off x="685800" y="4400549"/>
+            <a:ext cx="5486400" cy="3600451"/>
           </a:xfrm>
           <a:prstGeom prst="rect">
             <a:avLst/>
@@ -574,8 +574,8 @@
         </p:nvSpPr>
         <p:spPr>
           <a:xfrm>
-            <a:off x="0" y="6513910"/>
-            <a:ext cx="3962400" cy="344090"/>
+            <a:off x="0" y="8685213"/>
+            <a:ext cx="2971800" cy="458787"/>
           </a:xfrm>
           <a:prstGeom prst="rect">
             <a:avLst/>
@@ -605,8 +605,8 @@
         </p:nvSpPr>
         <p:spPr>
           <a:xfrm>
-            <a:off x="5179484" y="6513910"/>
-            <a:ext cx="3962400" cy="344090"/>
+            <a:off x="3884613" y="8685213"/>
+            <a:ext cx="2971800" cy="458787"/>
           </a:xfrm>
           <a:prstGeom prst="rect">
             <a:avLst/>
@@ -5035,7 +5035,7 @@
               <a:buNone/>
             </a:pPr>
             <a:r>
-              <a:rPr lang="en-US" sz="2400" b="1" u="sng" dirty="0">
+              <a:rPr lang="en-US" sz="2400" b="1" u="sng">
                 <a:solidFill>
                   <a:schemeClr val="accent1"/>
                 </a:solidFill>
@@ -5049,6 +5049,33 @@
               </a:rPr>
               <a:t>INTRODUCTION </a:t>
             </a:r>
+            <a:r>
+              <a:rPr lang="en-US" sz="2400" b="1" u="sng" smtClean="0">
+                <a:solidFill>
+                  <a:schemeClr val="accent1"/>
+                </a:solidFill>
+                <a:effectLst>
+                  <a:outerShdw blurRad="38100" dist="25400" dir="5400000" algn="ctr" rotWithShape="0">
+                    <a:srgbClr val="6E747A">
+                      <a:alpha val="43000"/>
+                    </a:srgbClr>
+                  </a:outerShdw>
+                </a:effectLst>
+              </a:rPr>
+              <a:t> (GGE302)</a:t>
+            </a:r>
+            <a:endParaRPr lang="en-US" sz="2400" b="1" u="sng" dirty="0">
+              <a:solidFill>
+                <a:schemeClr val="accent1"/>
+              </a:solidFill>
+              <a:effectLst>
+                <a:outerShdw blurRad="38100" dist="25400" dir="5400000" algn="ctr" rotWithShape="0">
+                  <a:srgbClr val="6E747A">
+                    <a:alpha val="43000"/>
+                  </a:srgbClr>
+                </a:outerShdw>
+              </a:effectLst>
+            </a:endParaRPr>
           </a:p>
           <a:p>
             <a:pPr marL="0" indent="0">
@@ -12474,7 +12501,7 @@
           <a:graphicData uri="http://schemas.openxmlformats.org/presentationml/2006/ole">
             <mc:AlternateContent xmlns:mc="http://schemas.openxmlformats.org/markup-compatibility/2006">
               <mc:Choice xmlns:v="urn:schemas-microsoft-com:vml" Requires="v">
-                <p:oleObj spid="_x0000_s1033" r:id="rId4" imgW="10610850" imgH="4924425" progId="Paint.Picture">
+                <p:oleObj spid="_x0000_s1041" r:id="rId4" imgW="10610850" imgH="4924425" progId="Paint.Picture">
                   <p:embed/>
                 </p:oleObj>
               </mc:Choice>
@@ -12534,7 +12561,7 @@
           <a:graphicData uri="http://schemas.openxmlformats.org/presentationml/2006/ole">
             <mc:AlternateContent xmlns:mc="http://schemas.openxmlformats.org/markup-compatibility/2006">
               <mc:Choice xmlns:v="urn:schemas-microsoft-com:vml" Requires="v">
-                <p:oleObj spid="_x0000_s1034" r:id="rId6" imgW="6315075" imgH="4381500" progId="Paint.Picture">
+                <p:oleObj spid="_x0000_s1042" r:id="rId6" imgW="6315075" imgH="4381500" progId="Paint.Picture">
                   <p:embed/>
                 </p:oleObj>
               </mc:Choice>
@@ -12732,7 +12759,7 @@
           <a:graphicData uri="http://schemas.openxmlformats.org/presentationml/2006/ole">
             <mc:AlternateContent xmlns:mc="http://schemas.openxmlformats.org/markup-compatibility/2006">
               <mc:Choice xmlns:v="urn:schemas-microsoft-com:vml" Requires="v">
-                <p:oleObj spid="_x0000_s1035" r:id="rId8" imgW="4048125" imgH="381000" progId="Paint.Picture">
+                <p:oleObj spid="_x0000_s1043" r:id="rId8" imgW="4048125" imgH="381000" progId="Paint.Picture">
                   <p:embed/>
                 </p:oleObj>
               </mc:Choice>
@@ -12792,7 +12819,7 @@
           <a:graphicData uri="http://schemas.openxmlformats.org/presentationml/2006/ole">
             <mc:AlternateContent xmlns:mc="http://schemas.openxmlformats.org/markup-compatibility/2006">
               <mc:Choice xmlns:v="urn:schemas-microsoft-com:vml" Requires="v">
-                <p:oleObj spid="_x0000_s1036" r:id="rId10" imgW="6324600" imgH="3629025" progId="Paint.Picture">
+                <p:oleObj spid="_x0000_s1044" r:id="rId10" imgW="6324600" imgH="3629025" progId="Paint.Picture">
                   <p:embed/>
                 </p:oleObj>
               </mc:Choice>
@@ -12899,7 +12926,7 @@
           <a:graphicData uri="http://schemas.openxmlformats.org/presentationml/2006/ole">
             <mc:AlternateContent xmlns:mc="http://schemas.openxmlformats.org/markup-compatibility/2006">
               <mc:Choice xmlns:v="urn:schemas-microsoft-com:vml" Requires="v">
-                <p:oleObj spid="_x0000_s2065" r:id="rId3" imgW="3562350" imgH="1809750" progId="Paint.Picture">
+                <p:oleObj spid="_x0000_s2081" r:id="rId3" imgW="3562350" imgH="1809750" progId="Paint.Picture">
                   <p:embed/>
                 </p:oleObj>
               </mc:Choice>
@@ -12953,7 +12980,7 @@
           <a:graphicData uri="http://schemas.openxmlformats.org/presentationml/2006/ole">
             <mc:AlternateContent xmlns:mc="http://schemas.openxmlformats.org/markup-compatibility/2006">
               <mc:Choice xmlns:v="urn:schemas-microsoft-com:vml" Requires="v">
-                <p:oleObj spid="_x0000_s2066" r:id="rId5" imgW="8686800" imgH="1466850" progId="Paint.Picture">
+                <p:oleObj spid="_x0000_s2082" r:id="rId5" imgW="8686800" imgH="1466850" progId="Paint.Picture">
                   <p:embed/>
                 </p:oleObj>
               </mc:Choice>
@@ -13007,7 +13034,7 @@
           <a:graphicData uri="http://schemas.openxmlformats.org/presentationml/2006/ole">
             <mc:AlternateContent xmlns:mc="http://schemas.openxmlformats.org/markup-compatibility/2006">
               <mc:Choice xmlns:v="urn:schemas-microsoft-com:vml" Requires="v">
-                <p:oleObj spid="_x0000_s2067" r:id="rId7" imgW="7820025" imgH="2066925" progId="Paint.Picture">
+                <p:oleObj spid="_x0000_s2083" r:id="rId7" imgW="7820025" imgH="2066925" progId="Paint.Picture">
                   <p:embed/>
                 </p:oleObj>
               </mc:Choice>
@@ -13067,7 +13094,7 @@
           <a:graphicData uri="http://schemas.openxmlformats.org/presentationml/2006/ole">
             <mc:AlternateContent xmlns:mc="http://schemas.openxmlformats.org/markup-compatibility/2006">
               <mc:Choice xmlns:v="urn:schemas-microsoft-com:vml" Requires="v">
-                <p:oleObj spid="_x0000_s2068" r:id="rId9" imgW="10534650" imgH="2247900" progId="Paint.Picture">
+                <p:oleObj spid="_x0000_s2084" r:id="rId9" imgW="10534650" imgH="2247900" progId="Paint.Picture">
                   <p:embed/>
                 </p:oleObj>
               </mc:Choice>
@@ -13121,7 +13148,7 @@
           <a:graphicData uri="http://schemas.openxmlformats.org/presentationml/2006/ole">
             <mc:AlternateContent xmlns:mc="http://schemas.openxmlformats.org/markup-compatibility/2006">
               <mc:Choice xmlns:v="urn:schemas-microsoft-com:vml" Requires="v">
-                <p:oleObj spid="_x0000_s2069" r:id="rId11" imgW="2905125" imgH="1228725" progId="Paint.Picture">
+                <p:oleObj spid="_x0000_s2085" r:id="rId11" imgW="2905125" imgH="1228725" progId="Paint.Picture">
                   <p:embed/>
                 </p:oleObj>
               </mc:Choice>
@@ -13175,7 +13202,7 @@
           <a:graphicData uri="http://schemas.openxmlformats.org/presentationml/2006/ole">
             <mc:AlternateContent xmlns:mc="http://schemas.openxmlformats.org/markup-compatibility/2006">
               <mc:Choice xmlns:v="urn:schemas-microsoft-com:vml" Requires="v">
-                <p:oleObj spid="_x0000_s2070" r:id="rId13" imgW="3381375" imgH="2133600" progId="Paint.Picture">
+                <p:oleObj spid="_x0000_s2086" r:id="rId13" imgW="3381375" imgH="2133600" progId="Paint.Picture">
                   <p:embed/>
                 </p:oleObj>
               </mc:Choice>
@@ -13233,7 +13260,7 @@
           <a:graphicData uri="http://schemas.openxmlformats.org/presentationml/2006/ole">
             <mc:AlternateContent xmlns:mc="http://schemas.openxmlformats.org/markup-compatibility/2006">
               <mc:Choice xmlns:v="urn:schemas-microsoft-com:vml" Requires="v">
-                <p:oleObj spid="_x0000_s2071" r:id="rId15" imgW="3181350" imgH="1209675" progId="Paint.Picture">
+                <p:oleObj spid="_x0000_s2087" r:id="rId15" imgW="3181350" imgH="1209675" progId="Paint.Picture">
                   <p:embed/>
                 </p:oleObj>
               </mc:Choice>
@@ -13287,7 +13314,7 @@
           <a:graphicData uri="http://schemas.openxmlformats.org/presentationml/2006/ole">
             <mc:AlternateContent xmlns:mc="http://schemas.openxmlformats.org/markup-compatibility/2006">
               <mc:Choice xmlns:v="urn:schemas-microsoft-com:vml" Requires="v">
-                <p:oleObj spid="_x0000_s2072" r:id="rId17" imgW="3390900" imgH="981075" progId="Paint.Picture">
+                <p:oleObj spid="_x0000_s2088" r:id="rId17" imgW="3390900" imgH="981075" progId="Paint.Picture">
                   <p:embed/>
                 </p:oleObj>
               </mc:Choice>
@@ -13394,7 +13421,7 @@
           <a:graphicData uri="http://schemas.openxmlformats.org/presentationml/2006/ole">
             <mc:AlternateContent xmlns:mc="http://schemas.openxmlformats.org/markup-compatibility/2006">
               <mc:Choice xmlns:v="urn:schemas-microsoft-com:vml" Requires="v">
-                <p:oleObj spid="_x0000_s3079" r:id="rId3" imgW="9982200" imgH="1866900" progId="Paint.Picture">
+                <p:oleObj spid="_x0000_s3085" r:id="rId3" imgW="9982200" imgH="1866900" progId="Paint.Picture">
                   <p:embed/>
                 </p:oleObj>
               </mc:Choice>
@@ -13457,7 +13484,7 @@
           <a:graphicData uri="http://schemas.openxmlformats.org/presentationml/2006/ole">
             <mc:AlternateContent xmlns:mc="http://schemas.openxmlformats.org/markup-compatibility/2006">
               <mc:Choice xmlns:v="urn:schemas-microsoft-com:vml" Requires="v">
-                <p:oleObj spid="_x0000_s3080" r:id="rId5" imgW="7315200" imgH="4095750" progId="Paint.Picture">
+                <p:oleObj spid="_x0000_s3086" r:id="rId5" imgW="7315200" imgH="4095750" progId="Paint.Picture">
                   <p:embed/>
                 </p:oleObj>
               </mc:Choice>
@@ -13517,7 +13544,7 @@
           <a:graphicData uri="http://schemas.openxmlformats.org/presentationml/2006/ole">
             <mc:AlternateContent xmlns:mc="http://schemas.openxmlformats.org/markup-compatibility/2006">
               <mc:Choice xmlns:v="urn:schemas-microsoft-com:vml" Requires="v">
-                <p:oleObj spid="_x0000_s3081" r:id="rId7" imgW="5695950" imgH="3867150" progId="Paint.Picture">
+                <p:oleObj spid="_x0000_s3087" r:id="rId7" imgW="5695950" imgH="3867150" progId="Paint.Picture">
                   <p:embed/>
                 </p:oleObj>
               </mc:Choice>
@@ -13673,7 +13700,7 @@
           <a:graphicData uri="http://schemas.openxmlformats.org/presentationml/2006/ole">
             <mc:AlternateContent xmlns:mc="http://schemas.openxmlformats.org/markup-compatibility/2006">
               <mc:Choice xmlns:v="urn:schemas-microsoft-com:vml" Requires="v">
-                <p:oleObj spid="_x0000_s4103" r:id="rId3" imgW="10125075" imgH="3990975" progId="Paint.Picture">
+                <p:oleObj spid="_x0000_s4109" r:id="rId3" imgW="10125075" imgH="3990975" progId="Paint.Picture">
                   <p:embed/>
                 </p:oleObj>
               </mc:Choice>
@@ -13781,7 +13808,7 @@
           <a:graphicData uri="http://schemas.openxmlformats.org/presentationml/2006/ole">
             <mc:AlternateContent xmlns:mc="http://schemas.openxmlformats.org/markup-compatibility/2006">
               <mc:Choice xmlns:v="urn:schemas-microsoft-com:vml" Requires="v">
-                <p:oleObj spid="_x0000_s4104" r:id="rId5" imgW="10039350" imgH="3505200" progId="Paint.Picture">
+                <p:oleObj spid="_x0000_s4110" r:id="rId5" imgW="10039350" imgH="3505200" progId="Paint.Picture">
                   <p:embed/>
                 </p:oleObj>
               </mc:Choice>
@@ -13873,7 +13900,7 @@
           <a:graphicData uri="http://schemas.openxmlformats.org/presentationml/2006/ole">
             <mc:AlternateContent xmlns:mc="http://schemas.openxmlformats.org/markup-compatibility/2006">
               <mc:Choice xmlns:v="urn:schemas-microsoft-com:vml" Requires="v">
-                <p:oleObj spid="_x0000_s4105" r:id="rId7" imgW="10972800" imgH="4219575" progId="Paint.Picture">
+                <p:oleObj spid="_x0000_s4111" r:id="rId7" imgW="10972800" imgH="4219575" progId="Paint.Picture">
                   <p:embed/>
                 </p:oleObj>
               </mc:Choice>
@@ -18780,7 +18807,7 @@
           <a:graphicData uri="http://schemas.openxmlformats.org/presentationml/2006/ole">
             <mc:AlternateContent xmlns:mc="http://schemas.openxmlformats.org/markup-compatibility/2006">
               <mc:Choice xmlns:v="urn:schemas-microsoft-com:vml" Requires="v">
-                <p:oleObj spid="_x0000_s5123" r:id="rId7" imgW="5534025" imgH="3562350" progId="Paint.Picture">
+                <p:oleObj spid="_x0000_s5125" r:id="rId7" imgW="5534025" imgH="3562350" progId="Paint.Picture">
                   <p:embed/>
                 </p:oleObj>
               </mc:Choice>
@@ -19063,7 +19090,7 @@
           <a:graphicData uri="http://schemas.openxmlformats.org/presentationml/2006/ole">
             <mc:AlternateContent xmlns:mc="http://schemas.openxmlformats.org/markup-compatibility/2006">
               <mc:Choice xmlns:v="urn:schemas-microsoft-com:vml" Requires="v">
-                <p:oleObj spid="_x0000_s6153" r:id="rId3" imgW="7486015" imgH="2867025" progId="Paint.Picture.1">
+                <p:oleObj spid="_x0000_s6161" r:id="rId3" imgW="7486015" imgH="2867025" progId="Paint.Picture.1">
                   <p:embed/>
                 </p:oleObj>
               </mc:Choice>
@@ -19123,7 +19150,7 @@
           <a:graphicData uri="http://schemas.openxmlformats.org/presentationml/2006/ole">
             <mc:AlternateContent xmlns:mc="http://schemas.openxmlformats.org/markup-compatibility/2006">
               <mc:Choice xmlns:v="urn:schemas-microsoft-com:vml" Requires="v">
-                <p:oleObj spid="_x0000_s6154" r:id="rId5" imgW="10887075" imgH="1562100" progId="Paint.Picture.1">
+                <p:oleObj spid="_x0000_s6162" r:id="rId5" imgW="10887075" imgH="1562100" progId="Paint.Picture.1">
                   <p:embed/>
                 </p:oleObj>
               </mc:Choice>
@@ -19183,7 +19210,7 @@
           <a:graphicData uri="http://schemas.openxmlformats.org/presentationml/2006/ole">
             <mc:AlternateContent xmlns:mc="http://schemas.openxmlformats.org/markup-compatibility/2006">
               <mc:Choice xmlns:v="urn:schemas-microsoft-com:vml" Requires="v">
-                <p:oleObj spid="_x0000_s6155" r:id="rId7" imgW="9695815" imgH="1162050" progId="Paint.Picture.1">
+                <p:oleObj spid="_x0000_s6163" r:id="rId7" imgW="9695815" imgH="1162050" progId="Paint.Picture.1">
                   <p:embed/>
                 </p:oleObj>
               </mc:Choice>
@@ -19237,7 +19264,7 @@
           <a:graphicData uri="http://schemas.openxmlformats.org/presentationml/2006/ole">
             <mc:AlternateContent xmlns:mc="http://schemas.openxmlformats.org/markup-compatibility/2006">
               <mc:Choice xmlns:v="urn:schemas-microsoft-com:vml" Requires="v">
-                <p:oleObj spid="_x0000_s6156" r:id="rId9" imgW="9229725" imgH="4143375" progId="Paint.Picture.1">
+                <p:oleObj spid="_x0000_s6164" r:id="rId9" imgW="9229725" imgH="4143375" progId="Paint.Picture.1">
                   <p:embed/>
                 </p:oleObj>
               </mc:Choice>
@@ -19590,7 +19617,7 @@
   <a:extraClrSchemeLst/>
   <a:extLst>
     <a:ext uri="{05A4C25C-085E-4340-85A3-A5531E510DB2}">
-      <thm15:themeFamily xmlns:thm15="http://schemas.microsoft.com/office/thememl/2012/main" xmlns="" name="Office Theme" id="{62F939B6-93AF-4DB8-9C6B-D6C7DFDC589F}" vid="{4A3C46E8-61CC-4603-A589-7422A47A8E4A}"/>
+      <thm15:themeFamily xmlns="" xmlns:thm15="http://schemas.microsoft.com/office/thememl/2012/main" name="Office Theme" id="{62F939B6-93AF-4DB8-9C6B-D6C7DFDC589F}" vid="{4A3C46E8-61CC-4603-A589-7422A47A8E4A}"/>
     </a:ext>
   </a:extLst>
 </a:theme>
@@ -19851,7 +19878,7 @@
   <a:extraClrSchemeLst/>
   <a:extLst>
     <a:ext uri="{05A4C25C-085E-4340-85A3-A5531E510DB2}">
-      <thm15:themeFamily xmlns:thm15="http://schemas.microsoft.com/office/thememl/2012/main" xmlns="" name="Office Theme" id="{62F939B6-93AF-4DB8-9C6B-D6C7DFDC589F}" vid="{4A3C46E8-61CC-4603-A589-7422A47A8E4A}"/>
+      <thm15:themeFamily xmlns="" xmlns:thm15="http://schemas.microsoft.com/office/thememl/2012/main" name="Office Theme" id="{62F939B6-93AF-4DB8-9C6B-D6C7DFDC589F}" vid="{4A3C46E8-61CC-4603-A589-7422A47A8E4A}"/>
     </a:ext>
   </a:extLst>
 </a:theme>
@@ -20112,7 +20139,7 @@
   <a:extraClrSchemeLst/>
   <a:extLst>
     <a:ext uri="{05A4C25C-085E-4340-85A3-A5531E510DB2}">
-      <thm15:themeFamily xmlns:thm15="http://schemas.microsoft.com/office/thememl/2012/main" xmlns="" name="Office Theme" id="{62F939B6-93AF-4DB8-9C6B-D6C7DFDC589F}" vid="{4A3C46E8-61CC-4603-A589-7422A47A8E4A}"/>
+      <thm15:themeFamily xmlns="" xmlns:thm15="http://schemas.microsoft.com/office/thememl/2012/main" name="Office Theme" id="{62F939B6-93AF-4DB8-9C6B-D6C7DFDC589F}" vid="{4A3C46E8-61CC-4603-A589-7422A47A8E4A}"/>
     </a:ext>
   </a:extLst>
 </a:theme>
